--- a/etc/JIMS_presentation_1.0.pptx
+++ b/etc/JIMS_presentation_1.0.pptx
@@ -6366,7 +6366,7 @@
           <a:graphicData uri="http://schemas.openxmlformats.org/presentationml/2006/ole">
             <mc:AlternateContent xmlns:mc="http://schemas.openxmlformats.org/markup-compatibility/2006">
               <mc:Choice xmlns:v="urn:schemas-microsoft-com:vml" Requires="v">
-                <p:oleObj spid="_x0000_s1027" name="Document" r:id="rId3" imgW="6083300" imgH="1422400" progId="Word.Document.12">
+                <p:oleObj spid="_x0000_s1029" name="Document" r:id="rId3" imgW="6083300" imgH="1422400" progId="Word.Document.12">
                   <p:embed/>
                 </p:oleObj>
               </mc:Choice>
